--- a/Credit Card Opening Prediction.pptx
+++ b/Credit Card Opening Prediction.pptx
@@ -5,10 +5,10 @@
     <p:sldMasterId id="2147483648" r:id="rId4"/>
   </p:sldMasterIdLst>
   <p:notesMasterIdLst>
-    <p:notesMasterId r:id="rId16"/>
+    <p:notesMasterId r:id="rId22"/>
   </p:notesMasterIdLst>
   <p:handoutMasterIdLst>
-    <p:handoutMasterId r:id="rId17"/>
+    <p:handoutMasterId r:id="rId23"/>
   </p:handoutMasterIdLst>
   <p:sldIdLst>
     <p:sldId id="256" r:id="rId5"/>
@@ -20,8 +20,14 @@
     <p:sldId id="262" r:id="rId11"/>
     <p:sldId id="263" r:id="rId12"/>
     <p:sldId id="264" r:id="rId13"/>
-    <p:sldId id="265" r:id="rId14"/>
-    <p:sldId id="266" r:id="rId15"/>
+    <p:sldId id="267" r:id="rId14"/>
+    <p:sldId id="268" r:id="rId15"/>
+    <p:sldId id="269" r:id="rId16"/>
+    <p:sldId id="271" r:id="rId17"/>
+    <p:sldId id="272" r:id="rId18"/>
+    <p:sldId id="273" r:id="rId19"/>
+    <p:sldId id="274" r:id="rId20"/>
+    <p:sldId id="265" r:id="rId21"/>
   </p:sldIdLst>
   <p:sldSz cx="12192000" cy="6858000"/>
   <p:notesSz cx="6858000" cy="9144000"/>
@@ -1254,7 +1260,7 @@
       <dgm:spPr/>
     </dgm:pt>
     <dgm:pt modelId="{95938799-042C-4CE8-AA91-36531139B316}" type="pres">
-      <dgm:prSet presAssocID="{7D27CEF8-B569-4BAF-8D3E-EAF168C799DF}" presName="node" presStyleLbl="node1" presStyleIdx="0" presStyleCnt="9">
+      <dgm:prSet presAssocID="{7D27CEF8-B569-4BAF-8D3E-EAF168C799DF}" presName="node" presStyleLbl="node1" presStyleIdx="0" presStyleCnt="9" custLinFactNeighborX="-19020">
         <dgm:presLayoutVars>
           <dgm:bulletEnabled val="1"/>
         </dgm:presLayoutVars>
@@ -1274,7 +1280,7 @@
       <dgm:spPr/>
     </dgm:pt>
     <dgm:pt modelId="{8EBCA274-6406-4AA8-A1C9-274E69885E59}" type="pres">
-      <dgm:prSet presAssocID="{3074D9B9-8991-46CB-9CEB-840E15565446}" presName="node" presStyleLbl="node1" presStyleIdx="1" presStyleCnt="9">
+      <dgm:prSet presAssocID="{3074D9B9-8991-46CB-9CEB-840E15565446}" presName="node" presStyleLbl="node1" presStyleIdx="1" presStyleCnt="9" custLinFactNeighborX="-19020">
         <dgm:presLayoutVars>
           <dgm:bulletEnabled val="1"/>
         </dgm:presLayoutVars>
@@ -1294,7 +1300,7 @@
       <dgm:spPr/>
     </dgm:pt>
     <dgm:pt modelId="{7B360C85-1A10-4642-9F42-00A8E9350345}" type="pres">
-      <dgm:prSet presAssocID="{7E491791-2719-4055-8EC2-816FFD6E1B43}" presName="node" presStyleLbl="node1" presStyleIdx="2" presStyleCnt="9">
+      <dgm:prSet presAssocID="{7E491791-2719-4055-8EC2-816FFD6E1B43}" presName="node" presStyleLbl="node1" presStyleIdx="2" presStyleCnt="9" custLinFactNeighborX="-19020">
         <dgm:presLayoutVars>
           <dgm:bulletEnabled val="1"/>
         </dgm:presLayoutVars>
@@ -1374,7 +1380,7 @@
       <dgm:spPr/>
     </dgm:pt>
     <dgm:pt modelId="{408A1117-C4EA-4A97-808F-44556EF48858}" type="pres">
-      <dgm:prSet presAssocID="{41CB80A8-3744-4505-AFBF-AFB8B94CE9B0}" presName="node" presStyleLbl="node1" presStyleIdx="6" presStyleCnt="9">
+      <dgm:prSet presAssocID="{41CB80A8-3744-4505-AFBF-AFB8B94CE9B0}" presName="node" presStyleLbl="node1" presStyleIdx="6" presStyleCnt="9" custLinFactNeighborX="16399">
         <dgm:presLayoutVars>
           <dgm:bulletEnabled val="1"/>
         </dgm:presLayoutVars>
@@ -1394,7 +1400,7 @@
       <dgm:spPr/>
     </dgm:pt>
     <dgm:pt modelId="{60849C89-A67F-485E-803F-93F7B8759572}" type="pres">
-      <dgm:prSet presAssocID="{30E2A8BE-69EC-4A51-A7E5-978ABE413AD7}" presName="node" presStyleLbl="node1" presStyleIdx="7" presStyleCnt="9">
+      <dgm:prSet presAssocID="{30E2A8BE-69EC-4A51-A7E5-978ABE413AD7}" presName="node" presStyleLbl="node1" presStyleIdx="7" presStyleCnt="9" custLinFactNeighborX="16399">
         <dgm:presLayoutVars>
           <dgm:bulletEnabled val="1"/>
         </dgm:presLayoutVars>
@@ -1414,7 +1420,7 @@
       <dgm:spPr/>
     </dgm:pt>
     <dgm:pt modelId="{CDB89DF5-938F-43BF-9E97-89EAF5D67913}" type="pres">
-      <dgm:prSet presAssocID="{F8B416CB-A8F1-4AAB-B7CF-22853AD91AC6}" presName="node" presStyleLbl="node1" presStyleIdx="8" presStyleCnt="9">
+      <dgm:prSet presAssocID="{F8B416CB-A8F1-4AAB-B7CF-22853AD91AC6}" presName="node" presStyleLbl="node1" presStyleIdx="8" presStyleCnt="9" custLinFactNeighborX="16399">
         <dgm:presLayoutVars>
           <dgm:bulletEnabled val="1"/>
         </dgm:presLayoutVars>
@@ -1511,7 +1517,7 @@
       </dsp:nvSpPr>
       <dsp:spPr>
         <a:xfrm rot="5400000">
-          <a:off x="2235869" y="745009"/>
+          <a:off x="1939437" y="745009"/>
           <a:ext cx="1163658" cy="140267"/>
         </a:xfrm>
         <a:prstGeom prst="rect">
@@ -1593,7 +1599,7 @@
       </dsp:nvSpPr>
       <dsp:spPr>
         <a:xfrm>
-          <a:off x="2503373" y="2088"/>
+          <a:off x="2206941" y="2088"/>
           <a:ext cx="1558528" cy="935117"/>
         </a:xfrm>
         <a:prstGeom prst="roundRect">
@@ -1692,7 +1698,7 @@
         </a:p>
       </dsp:txBody>
       <dsp:txXfrm>
-        <a:off x="2530762" y="29477"/>
+        <a:off x="2234330" y="29477"/>
         <a:ext cx="1503750" cy="880339"/>
       </dsp:txXfrm>
     </dsp:sp>
@@ -1703,7 +1709,7 @@
       </dsp:nvSpPr>
       <dsp:spPr>
         <a:xfrm rot="5400000">
-          <a:off x="2235869" y="1913905"/>
+          <a:off x="1939437" y="1913905"/>
           <a:ext cx="1163658" cy="140267"/>
         </a:xfrm>
         <a:prstGeom prst="rect">
@@ -1785,7 +1791,7 @@
       </dsp:nvSpPr>
       <dsp:spPr>
         <a:xfrm>
-          <a:off x="2503373" y="1170985"/>
+          <a:off x="2206941" y="1170985"/>
           <a:ext cx="1558528" cy="935117"/>
         </a:xfrm>
         <a:prstGeom prst="roundRect">
@@ -1884,7 +1890,7 @@
         </a:p>
       </dsp:txBody>
       <dsp:txXfrm>
-        <a:off x="2530762" y="1198374"/>
+        <a:off x="2234330" y="1198374"/>
         <a:ext cx="1503750" cy="880339"/>
       </dsp:txXfrm>
     </dsp:sp>
@@ -1895,8 +1901,8 @@
       </dsp:nvSpPr>
       <dsp:spPr>
         <a:xfrm>
-          <a:off x="2820317" y="2498353"/>
-          <a:ext cx="2067605" cy="140267"/>
+          <a:off x="2523885" y="2498353"/>
+          <a:ext cx="2364037" cy="140267"/>
         </a:xfrm>
         <a:prstGeom prst="rect">
           <a:avLst/>
@@ -1977,7 +1983,7 @@
       </dsp:nvSpPr>
       <dsp:spPr>
         <a:xfrm>
-          <a:off x="2503373" y="2339881"/>
+          <a:off x="2206941" y="2339881"/>
           <a:ext cx="1558528" cy="935117"/>
         </a:xfrm>
         <a:prstGeom prst="roundRect">
@@ -2076,7 +2082,7 @@
         </a:p>
       </dsp:txBody>
       <dsp:txXfrm>
-        <a:off x="2530762" y="2367270"/>
+        <a:off x="2234330" y="2367270"/>
         <a:ext cx="1503750" cy="880339"/>
       </dsp:txXfrm>
     </dsp:sp>
@@ -2472,7 +2478,7 @@
       <dsp:spPr>
         <a:xfrm>
           <a:off x="4893161" y="160560"/>
-          <a:ext cx="2067605" cy="140267"/>
+          <a:ext cx="2323188" cy="140267"/>
         </a:xfrm>
         <a:prstGeom prst="rect">
           <a:avLst/>
@@ -2663,7 +2669,7 @@
       </dsp:nvSpPr>
       <dsp:spPr>
         <a:xfrm rot="5400000">
-          <a:off x="6381556" y="745009"/>
+          <a:off x="6637139" y="745009"/>
           <a:ext cx="1163658" cy="140267"/>
         </a:xfrm>
         <a:prstGeom prst="rect">
@@ -2745,7 +2751,7 @@
       </dsp:nvSpPr>
       <dsp:spPr>
         <a:xfrm>
-          <a:off x="6649060" y="2088"/>
+          <a:off x="6904643" y="2088"/>
           <a:ext cx="1558528" cy="935117"/>
         </a:xfrm>
         <a:prstGeom prst="roundRect">
@@ -2844,7 +2850,7 @@
         </a:p>
       </dsp:txBody>
       <dsp:txXfrm>
-        <a:off x="6676449" y="29477"/>
+        <a:off x="6932032" y="29477"/>
         <a:ext cx="1503750" cy="880339"/>
       </dsp:txXfrm>
     </dsp:sp>
@@ -2855,7 +2861,7 @@
       </dsp:nvSpPr>
       <dsp:spPr>
         <a:xfrm rot="5400000">
-          <a:off x="6381556" y="1913905"/>
+          <a:off x="6637139" y="1913905"/>
           <a:ext cx="1163658" cy="140267"/>
         </a:xfrm>
         <a:prstGeom prst="rect">
@@ -2937,7 +2943,7 @@
       </dsp:nvSpPr>
       <dsp:spPr>
         <a:xfrm>
-          <a:off x="6649060" y="1170985"/>
+          <a:off x="6904643" y="1170985"/>
           <a:ext cx="1558528" cy="935117"/>
         </a:xfrm>
         <a:prstGeom prst="roundRect">
@@ -3036,7 +3042,7 @@
         </a:p>
       </dsp:txBody>
       <dsp:txXfrm>
-        <a:off x="6676449" y="1198374"/>
+        <a:off x="6932032" y="1198374"/>
         <a:ext cx="1503750" cy="880339"/>
       </dsp:txXfrm>
     </dsp:sp>
@@ -3047,7 +3053,7 @@
       </dsp:nvSpPr>
       <dsp:spPr>
         <a:xfrm>
-          <a:off x="6649060" y="2339881"/>
+          <a:off x="6904643" y="2339881"/>
           <a:ext cx="1558528" cy="935117"/>
         </a:xfrm>
         <a:prstGeom prst="roundRect">
@@ -3146,7 +3152,7 @@
         </a:p>
       </dsp:txBody>
       <dsp:txXfrm>
-        <a:off x="6676449" y="2367270"/>
+        <a:off x="6932032" y="2367270"/>
         <a:ext cx="1503750" cy="880339"/>
       </dsp:txXfrm>
     </dsp:sp>
@@ -18326,6 +18332,895 @@
           <a:chExt cx="0" cy="0"/>
         </a:xfrm>
       </p:grpSpPr>
+      <p:sp>
+        <p:nvSpPr>
+          <p:cNvPr id="4" name="Title 3">
+            <a:extLst>
+              <a:ext uri="{FF2B5EF4-FFF2-40B4-BE49-F238E27FC236}">
+                <a16:creationId xmlns:a16="http://schemas.microsoft.com/office/drawing/2014/main" id="{2FF2F0B8-896C-4D84-9FF9-3E3607F9E57C}"/>
+              </a:ext>
+            </a:extLst>
+          </p:cNvPr>
+          <p:cNvSpPr>
+            <a:spLocks noGrp="1"/>
+          </p:cNvSpPr>
+          <p:nvPr>
+            <p:ph type="title"/>
+          </p:nvPr>
+        </p:nvSpPr>
+        <p:spPr bwMode="grayWhite"/>
+        <p:txBody>
+          <a:bodyPr/>
+          <a:lstStyle/>
+          <a:p>
+            <a:r>
+              <a:rPr lang="en-US" dirty="0"/>
+              <a:t>MODELS</a:t>
+            </a:r>
+            <a:endParaRPr lang="ru-RU" dirty="0"/>
+          </a:p>
+        </p:txBody>
+      </p:sp>
+      <p:sp>
+        <p:nvSpPr>
+          <p:cNvPr id="2" name="Slide Number Placeholder 1">
+            <a:extLst>
+              <a:ext uri="{FF2B5EF4-FFF2-40B4-BE49-F238E27FC236}">
+                <a16:creationId xmlns:a16="http://schemas.microsoft.com/office/drawing/2014/main" id="{E8B55491-80DD-4F1B-890E-E2F7B275B9CA}"/>
+              </a:ext>
+            </a:extLst>
+          </p:cNvPr>
+          <p:cNvSpPr>
+            <a:spLocks noGrp="1"/>
+          </p:cNvSpPr>
+          <p:nvPr>
+            <p:ph type="sldNum" sz="quarter" idx="10"/>
+          </p:nvPr>
+        </p:nvSpPr>
+        <p:spPr/>
+        <p:txBody>
+          <a:bodyPr/>
+          <a:lstStyle/>
+          <a:p>
+            <a:fld id="{D495E168-DA5E-4888-8D8A-92B118324C14}" type="slidenum">
+              <a:rPr lang="ru-RU" smtClean="0"/>
+              <a:pPr/>
+              <a:t>10</a:t>
+            </a:fld>
+            <a:endParaRPr lang="ru-RU" dirty="0"/>
+          </a:p>
+        </p:txBody>
+      </p:sp>
+      <p:sp>
+        <p:nvSpPr>
+          <p:cNvPr id="6" name="TextBox 5">
+            <a:extLst>
+              <a:ext uri="{FF2B5EF4-FFF2-40B4-BE49-F238E27FC236}">
+                <a16:creationId xmlns:a16="http://schemas.microsoft.com/office/drawing/2014/main" id="{2B891A68-6324-437B-A65B-1A451218D0FB}"/>
+              </a:ext>
+            </a:extLst>
+          </p:cNvPr>
+          <p:cNvSpPr txBox="1"/>
+          <p:nvPr/>
+        </p:nvSpPr>
+        <p:spPr>
+          <a:xfrm>
+            <a:off x="1276781" y="1414745"/>
+            <a:ext cx="10077019" cy="1815882"/>
+          </a:xfrm>
+          <a:prstGeom prst="rect">
+            <a:avLst/>
+          </a:prstGeom>
+          <a:noFill/>
+        </p:spPr>
+        <p:txBody>
+          <a:bodyPr wrap="square" rtlCol="0">
+            <a:spAutoFit/>
+          </a:bodyPr>
+          <a:lstStyle/>
+          <a:p>
+            <a:r>
+              <a:rPr lang="en-US" sz="2800" dirty="0">
+                <a:solidFill>
+                  <a:srgbClr val="FFFF00"/>
+                </a:solidFill>
+              </a:rPr>
+              <a:t>The Most Important Point: Low False Negative Number</a:t>
+            </a:r>
+          </a:p>
+          <a:p>
+            <a:endParaRPr lang="en-US" sz="2800" dirty="0">
+              <a:solidFill>
+                <a:srgbClr val="FFFF00"/>
+              </a:solidFill>
+            </a:endParaRPr>
+          </a:p>
+          <a:p>
+            <a:r>
+              <a:rPr lang="en-US" sz="2800" dirty="0">
+                <a:solidFill>
+                  <a:srgbClr val="FFFF00"/>
+                </a:solidFill>
+              </a:rPr>
+              <a:t>Assumption: More people that willing to create new Credit Card can be detected</a:t>
+            </a:r>
+          </a:p>
+        </p:txBody>
+      </p:sp>
+      <p:pic>
+        <p:nvPicPr>
+          <p:cNvPr id="8" name="Picture 7">
+            <a:extLst>
+              <a:ext uri="{FF2B5EF4-FFF2-40B4-BE49-F238E27FC236}">
+                <a16:creationId xmlns:a16="http://schemas.microsoft.com/office/drawing/2014/main" id="{2EF0FD77-544E-4979-BAE6-B3FC51AA9707}"/>
+              </a:ext>
+            </a:extLst>
+          </p:cNvPr>
+          <p:cNvPicPr>
+            <a:picLocks noChangeAspect="1"/>
+          </p:cNvPicPr>
+          <p:nvPr/>
+        </p:nvPicPr>
+        <p:blipFill>
+          <a:blip r:embed="rId2"/>
+          <a:stretch>
+            <a:fillRect/>
+          </a:stretch>
+        </p:blipFill>
+        <p:spPr>
+          <a:xfrm>
+            <a:off x="2619931" y="3617868"/>
+            <a:ext cx="6952138" cy="2858266"/>
+          </a:xfrm>
+          <a:prstGeom prst="rect">
+            <a:avLst/>
+          </a:prstGeom>
+        </p:spPr>
+      </p:pic>
+    </p:spTree>
+    <p:extLst>
+      <p:ext uri="{BB962C8B-B14F-4D97-AF65-F5344CB8AC3E}">
+        <p14:creationId xmlns:p14="http://schemas.microsoft.com/office/powerpoint/2010/main" val="4253374052"/>
+      </p:ext>
+    </p:extLst>
+  </p:cSld>
+  <p:clrMapOvr>
+    <a:masterClrMapping/>
+  </p:clrMapOvr>
+</p:sld>
+</file>
+
+<file path=ppt/slides/slide11.xml><?xml version="1.0" encoding="utf-8"?>
+<p:sld xmlns:a="http://schemas.openxmlformats.org/drawingml/2006/main" xmlns:r="http://schemas.openxmlformats.org/officeDocument/2006/relationships" xmlns:p="http://schemas.openxmlformats.org/presentationml/2006/main">
+  <p:cSld>
+    <p:spTree>
+      <p:nvGrpSpPr>
+        <p:cNvPr id="1" name=""/>
+        <p:cNvGrpSpPr/>
+        <p:nvPr/>
+      </p:nvGrpSpPr>
+      <p:grpSpPr>
+        <a:xfrm>
+          <a:off x="0" y="0"/>
+          <a:ext cx="0" cy="0"/>
+          <a:chOff x="0" y="0"/>
+          <a:chExt cx="0" cy="0"/>
+        </a:xfrm>
+      </p:grpSpPr>
+      <p:sp>
+        <p:nvSpPr>
+          <p:cNvPr id="4" name="Title 3">
+            <a:extLst>
+              <a:ext uri="{FF2B5EF4-FFF2-40B4-BE49-F238E27FC236}">
+                <a16:creationId xmlns:a16="http://schemas.microsoft.com/office/drawing/2014/main" id="{2FF2F0B8-896C-4D84-9FF9-3E3607F9E57C}"/>
+              </a:ext>
+            </a:extLst>
+          </p:cNvPr>
+          <p:cNvSpPr>
+            <a:spLocks noGrp="1"/>
+          </p:cNvSpPr>
+          <p:nvPr>
+            <p:ph type="title"/>
+          </p:nvPr>
+        </p:nvSpPr>
+        <p:spPr bwMode="grayWhite"/>
+        <p:txBody>
+          <a:bodyPr/>
+          <a:lstStyle/>
+          <a:p>
+            <a:r>
+              <a:rPr lang="en-US" dirty="0"/>
+              <a:t>Application : Home</a:t>
+            </a:r>
+            <a:endParaRPr lang="ru-RU" dirty="0"/>
+          </a:p>
+        </p:txBody>
+      </p:sp>
+      <p:sp>
+        <p:nvSpPr>
+          <p:cNvPr id="2" name="Slide Number Placeholder 1">
+            <a:extLst>
+              <a:ext uri="{FF2B5EF4-FFF2-40B4-BE49-F238E27FC236}">
+                <a16:creationId xmlns:a16="http://schemas.microsoft.com/office/drawing/2014/main" id="{E8B55491-80DD-4F1B-890E-E2F7B275B9CA}"/>
+              </a:ext>
+            </a:extLst>
+          </p:cNvPr>
+          <p:cNvSpPr>
+            <a:spLocks noGrp="1"/>
+          </p:cNvSpPr>
+          <p:nvPr>
+            <p:ph type="sldNum" sz="quarter" idx="10"/>
+          </p:nvPr>
+        </p:nvSpPr>
+        <p:spPr/>
+        <p:txBody>
+          <a:bodyPr/>
+          <a:lstStyle/>
+          <a:p>
+            <a:fld id="{D495E168-DA5E-4888-8D8A-92B118324C14}" type="slidenum">
+              <a:rPr lang="ru-RU" smtClean="0"/>
+              <a:pPr/>
+              <a:t>11</a:t>
+            </a:fld>
+            <a:endParaRPr lang="ru-RU" dirty="0"/>
+          </a:p>
+        </p:txBody>
+      </p:sp>
+      <p:pic>
+        <p:nvPicPr>
+          <p:cNvPr id="5" name="Picture 4">
+            <a:extLst>
+              <a:ext uri="{FF2B5EF4-FFF2-40B4-BE49-F238E27FC236}">
+                <a16:creationId xmlns:a16="http://schemas.microsoft.com/office/drawing/2014/main" id="{704F2A72-F2C5-4DDA-997F-CC2F7303B357}"/>
+              </a:ext>
+            </a:extLst>
+          </p:cNvPr>
+          <p:cNvPicPr>
+            <a:picLocks noChangeAspect="1"/>
+          </p:cNvPicPr>
+          <p:nvPr/>
+        </p:nvPicPr>
+        <p:blipFill>
+          <a:blip r:embed="rId2"/>
+          <a:stretch>
+            <a:fillRect/>
+          </a:stretch>
+        </p:blipFill>
+        <p:spPr>
+          <a:xfrm>
+            <a:off x="1864426" y="1477853"/>
+            <a:ext cx="8463148" cy="4760520"/>
+          </a:xfrm>
+          <a:prstGeom prst="rect">
+            <a:avLst/>
+          </a:prstGeom>
+        </p:spPr>
+      </p:pic>
+    </p:spTree>
+    <p:extLst>
+      <p:ext uri="{BB962C8B-B14F-4D97-AF65-F5344CB8AC3E}">
+        <p14:creationId xmlns:p14="http://schemas.microsoft.com/office/powerpoint/2010/main" val="2008258716"/>
+      </p:ext>
+    </p:extLst>
+  </p:cSld>
+  <p:clrMapOvr>
+    <a:masterClrMapping/>
+  </p:clrMapOvr>
+</p:sld>
+</file>
+
+<file path=ppt/slides/slide12.xml><?xml version="1.0" encoding="utf-8"?>
+<p:sld xmlns:a="http://schemas.openxmlformats.org/drawingml/2006/main" xmlns:r="http://schemas.openxmlformats.org/officeDocument/2006/relationships" xmlns:p="http://schemas.openxmlformats.org/presentationml/2006/main">
+  <p:cSld>
+    <p:spTree>
+      <p:nvGrpSpPr>
+        <p:cNvPr id="1" name=""/>
+        <p:cNvGrpSpPr/>
+        <p:nvPr/>
+      </p:nvGrpSpPr>
+      <p:grpSpPr>
+        <a:xfrm>
+          <a:off x="0" y="0"/>
+          <a:ext cx="0" cy="0"/>
+          <a:chOff x="0" y="0"/>
+          <a:chExt cx="0" cy="0"/>
+        </a:xfrm>
+      </p:grpSpPr>
+      <p:sp>
+        <p:nvSpPr>
+          <p:cNvPr id="4" name="Title 3">
+            <a:extLst>
+              <a:ext uri="{FF2B5EF4-FFF2-40B4-BE49-F238E27FC236}">
+                <a16:creationId xmlns:a16="http://schemas.microsoft.com/office/drawing/2014/main" id="{2FF2F0B8-896C-4D84-9FF9-3E3607F9E57C}"/>
+              </a:ext>
+            </a:extLst>
+          </p:cNvPr>
+          <p:cNvSpPr>
+            <a:spLocks noGrp="1"/>
+          </p:cNvSpPr>
+          <p:nvPr>
+            <p:ph type="title"/>
+          </p:nvPr>
+        </p:nvSpPr>
+        <p:spPr bwMode="grayWhite"/>
+        <p:txBody>
+          <a:bodyPr/>
+          <a:lstStyle/>
+          <a:p>
+            <a:r>
+              <a:rPr lang="en-US" dirty="0"/>
+              <a:t>Application : Visualization</a:t>
+            </a:r>
+            <a:endParaRPr lang="ru-RU" dirty="0"/>
+          </a:p>
+        </p:txBody>
+      </p:sp>
+      <p:sp>
+        <p:nvSpPr>
+          <p:cNvPr id="2" name="Slide Number Placeholder 1">
+            <a:extLst>
+              <a:ext uri="{FF2B5EF4-FFF2-40B4-BE49-F238E27FC236}">
+                <a16:creationId xmlns:a16="http://schemas.microsoft.com/office/drawing/2014/main" id="{E8B55491-80DD-4F1B-890E-E2F7B275B9CA}"/>
+              </a:ext>
+            </a:extLst>
+          </p:cNvPr>
+          <p:cNvSpPr>
+            <a:spLocks noGrp="1"/>
+          </p:cNvSpPr>
+          <p:nvPr>
+            <p:ph type="sldNum" sz="quarter" idx="10"/>
+          </p:nvPr>
+        </p:nvSpPr>
+        <p:spPr/>
+        <p:txBody>
+          <a:bodyPr/>
+          <a:lstStyle/>
+          <a:p>
+            <a:fld id="{D495E168-DA5E-4888-8D8A-92B118324C14}" type="slidenum">
+              <a:rPr lang="ru-RU" smtClean="0"/>
+              <a:pPr/>
+              <a:t>12</a:t>
+            </a:fld>
+            <a:endParaRPr lang="ru-RU" dirty="0"/>
+          </a:p>
+        </p:txBody>
+      </p:sp>
+      <p:pic>
+        <p:nvPicPr>
+          <p:cNvPr id="6" name="Picture 5">
+            <a:extLst>
+              <a:ext uri="{FF2B5EF4-FFF2-40B4-BE49-F238E27FC236}">
+                <a16:creationId xmlns:a16="http://schemas.microsoft.com/office/drawing/2014/main" id="{C79F54A4-F4C8-4E79-9F36-1B9BB6719108}"/>
+              </a:ext>
+            </a:extLst>
+          </p:cNvPr>
+          <p:cNvPicPr>
+            <a:picLocks noChangeAspect="1"/>
+          </p:cNvPicPr>
+          <p:nvPr/>
+        </p:nvPicPr>
+        <p:blipFill>
+          <a:blip r:embed="rId2"/>
+          <a:stretch>
+            <a:fillRect/>
+          </a:stretch>
+        </p:blipFill>
+        <p:spPr>
+          <a:xfrm>
+            <a:off x="1864426" y="1482142"/>
+            <a:ext cx="8463148" cy="4760520"/>
+          </a:xfrm>
+          <a:prstGeom prst="rect">
+            <a:avLst/>
+          </a:prstGeom>
+        </p:spPr>
+      </p:pic>
+    </p:spTree>
+    <p:extLst>
+      <p:ext uri="{BB962C8B-B14F-4D97-AF65-F5344CB8AC3E}">
+        <p14:creationId xmlns:p14="http://schemas.microsoft.com/office/powerpoint/2010/main" val="3956259861"/>
+      </p:ext>
+    </p:extLst>
+  </p:cSld>
+  <p:clrMapOvr>
+    <a:masterClrMapping/>
+  </p:clrMapOvr>
+</p:sld>
+</file>
+
+<file path=ppt/slides/slide13.xml><?xml version="1.0" encoding="utf-8"?>
+<p:sld xmlns:a="http://schemas.openxmlformats.org/drawingml/2006/main" xmlns:r="http://schemas.openxmlformats.org/officeDocument/2006/relationships" xmlns:p="http://schemas.openxmlformats.org/presentationml/2006/main">
+  <p:cSld>
+    <p:spTree>
+      <p:nvGrpSpPr>
+        <p:cNvPr id="1" name=""/>
+        <p:cNvGrpSpPr/>
+        <p:nvPr/>
+      </p:nvGrpSpPr>
+      <p:grpSpPr>
+        <a:xfrm>
+          <a:off x="0" y="0"/>
+          <a:ext cx="0" cy="0"/>
+          <a:chOff x="0" y="0"/>
+          <a:chExt cx="0" cy="0"/>
+        </a:xfrm>
+      </p:grpSpPr>
+      <p:pic>
+        <p:nvPicPr>
+          <p:cNvPr id="5" name="Picture 4">
+            <a:extLst>
+              <a:ext uri="{FF2B5EF4-FFF2-40B4-BE49-F238E27FC236}">
+                <a16:creationId xmlns:a16="http://schemas.microsoft.com/office/drawing/2014/main" id="{A86C157A-A2EC-4801-929F-256B87DCA4C7}"/>
+              </a:ext>
+            </a:extLst>
+          </p:cNvPr>
+          <p:cNvPicPr>
+            <a:picLocks noChangeAspect="1"/>
+          </p:cNvPicPr>
+          <p:nvPr/>
+        </p:nvPicPr>
+        <p:blipFill>
+          <a:blip r:embed="rId2"/>
+          <a:stretch>
+            <a:fillRect/>
+          </a:stretch>
+        </p:blipFill>
+        <p:spPr>
+          <a:xfrm>
+            <a:off x="1864426" y="1482142"/>
+            <a:ext cx="8463148" cy="4760520"/>
+          </a:xfrm>
+          <a:prstGeom prst="rect">
+            <a:avLst/>
+          </a:prstGeom>
+        </p:spPr>
+      </p:pic>
+      <p:sp>
+        <p:nvSpPr>
+          <p:cNvPr id="4" name="Title 3">
+            <a:extLst>
+              <a:ext uri="{FF2B5EF4-FFF2-40B4-BE49-F238E27FC236}">
+                <a16:creationId xmlns:a16="http://schemas.microsoft.com/office/drawing/2014/main" id="{2FF2F0B8-896C-4D84-9FF9-3E3607F9E57C}"/>
+              </a:ext>
+            </a:extLst>
+          </p:cNvPr>
+          <p:cNvSpPr>
+            <a:spLocks noGrp="1"/>
+          </p:cNvSpPr>
+          <p:nvPr>
+            <p:ph type="title"/>
+          </p:nvPr>
+        </p:nvSpPr>
+        <p:spPr bwMode="grayWhite"/>
+        <p:txBody>
+          <a:bodyPr/>
+          <a:lstStyle/>
+          <a:p>
+            <a:r>
+              <a:rPr lang="en-US" dirty="0"/>
+              <a:t>Application : Prediction Input</a:t>
+            </a:r>
+            <a:endParaRPr lang="ru-RU" dirty="0"/>
+          </a:p>
+        </p:txBody>
+      </p:sp>
+      <p:sp>
+        <p:nvSpPr>
+          <p:cNvPr id="2" name="Slide Number Placeholder 1">
+            <a:extLst>
+              <a:ext uri="{FF2B5EF4-FFF2-40B4-BE49-F238E27FC236}">
+                <a16:creationId xmlns:a16="http://schemas.microsoft.com/office/drawing/2014/main" id="{E8B55491-80DD-4F1B-890E-E2F7B275B9CA}"/>
+              </a:ext>
+            </a:extLst>
+          </p:cNvPr>
+          <p:cNvSpPr>
+            <a:spLocks noGrp="1"/>
+          </p:cNvSpPr>
+          <p:nvPr>
+            <p:ph type="sldNum" sz="quarter" idx="10"/>
+          </p:nvPr>
+        </p:nvSpPr>
+        <p:spPr/>
+        <p:txBody>
+          <a:bodyPr/>
+          <a:lstStyle/>
+          <a:p>
+            <a:fld id="{D495E168-DA5E-4888-8D8A-92B118324C14}" type="slidenum">
+              <a:rPr lang="ru-RU" smtClean="0"/>
+              <a:pPr/>
+              <a:t>13</a:t>
+            </a:fld>
+            <a:endParaRPr lang="ru-RU" dirty="0"/>
+          </a:p>
+        </p:txBody>
+      </p:sp>
+    </p:spTree>
+    <p:extLst>
+      <p:ext uri="{BB962C8B-B14F-4D97-AF65-F5344CB8AC3E}">
+        <p14:creationId xmlns:p14="http://schemas.microsoft.com/office/powerpoint/2010/main" val="1234270231"/>
+      </p:ext>
+    </p:extLst>
+  </p:cSld>
+  <p:clrMapOvr>
+    <a:masterClrMapping/>
+  </p:clrMapOvr>
+</p:sld>
+</file>
+
+<file path=ppt/slides/slide14.xml><?xml version="1.0" encoding="utf-8"?>
+<p:sld xmlns:a="http://schemas.openxmlformats.org/drawingml/2006/main" xmlns:r="http://schemas.openxmlformats.org/officeDocument/2006/relationships" xmlns:p="http://schemas.openxmlformats.org/presentationml/2006/main">
+  <p:cSld>
+    <p:spTree>
+      <p:nvGrpSpPr>
+        <p:cNvPr id="1" name=""/>
+        <p:cNvGrpSpPr/>
+        <p:nvPr/>
+      </p:nvGrpSpPr>
+      <p:grpSpPr>
+        <a:xfrm>
+          <a:off x="0" y="0"/>
+          <a:ext cx="0" cy="0"/>
+          <a:chOff x="0" y="0"/>
+          <a:chExt cx="0" cy="0"/>
+        </a:xfrm>
+      </p:grpSpPr>
+      <p:sp>
+        <p:nvSpPr>
+          <p:cNvPr id="4" name="Title 3">
+            <a:extLst>
+              <a:ext uri="{FF2B5EF4-FFF2-40B4-BE49-F238E27FC236}">
+                <a16:creationId xmlns:a16="http://schemas.microsoft.com/office/drawing/2014/main" id="{2FF2F0B8-896C-4D84-9FF9-3E3607F9E57C}"/>
+              </a:ext>
+            </a:extLst>
+          </p:cNvPr>
+          <p:cNvSpPr>
+            <a:spLocks noGrp="1"/>
+          </p:cNvSpPr>
+          <p:nvPr>
+            <p:ph type="title"/>
+          </p:nvPr>
+        </p:nvSpPr>
+        <p:spPr bwMode="grayWhite"/>
+        <p:txBody>
+          <a:bodyPr/>
+          <a:lstStyle/>
+          <a:p>
+            <a:r>
+              <a:rPr lang="en-US" dirty="0"/>
+              <a:t>Application : Prediction Result</a:t>
+            </a:r>
+            <a:endParaRPr lang="ru-RU" dirty="0"/>
+          </a:p>
+        </p:txBody>
+      </p:sp>
+      <p:sp>
+        <p:nvSpPr>
+          <p:cNvPr id="2" name="Slide Number Placeholder 1">
+            <a:extLst>
+              <a:ext uri="{FF2B5EF4-FFF2-40B4-BE49-F238E27FC236}">
+                <a16:creationId xmlns:a16="http://schemas.microsoft.com/office/drawing/2014/main" id="{E8B55491-80DD-4F1B-890E-E2F7B275B9CA}"/>
+              </a:ext>
+            </a:extLst>
+          </p:cNvPr>
+          <p:cNvSpPr>
+            <a:spLocks noGrp="1"/>
+          </p:cNvSpPr>
+          <p:nvPr>
+            <p:ph type="sldNum" sz="quarter" idx="10"/>
+          </p:nvPr>
+        </p:nvSpPr>
+        <p:spPr/>
+        <p:txBody>
+          <a:bodyPr/>
+          <a:lstStyle/>
+          <a:p>
+            <a:fld id="{D495E168-DA5E-4888-8D8A-92B118324C14}" type="slidenum">
+              <a:rPr lang="ru-RU" smtClean="0"/>
+              <a:pPr/>
+              <a:t>14</a:t>
+            </a:fld>
+            <a:endParaRPr lang="ru-RU" dirty="0"/>
+          </a:p>
+        </p:txBody>
+      </p:sp>
+      <p:pic>
+        <p:nvPicPr>
+          <p:cNvPr id="6" name="Picture 5">
+            <a:extLst>
+              <a:ext uri="{FF2B5EF4-FFF2-40B4-BE49-F238E27FC236}">
+                <a16:creationId xmlns:a16="http://schemas.microsoft.com/office/drawing/2014/main" id="{17ADA6C1-2DD3-4823-8BD9-5BC581FFAC1D}"/>
+              </a:ext>
+            </a:extLst>
+          </p:cNvPr>
+          <p:cNvPicPr>
+            <a:picLocks noChangeAspect="1"/>
+          </p:cNvPicPr>
+          <p:nvPr/>
+        </p:nvPicPr>
+        <p:blipFill>
+          <a:blip r:embed="rId2"/>
+          <a:stretch>
+            <a:fillRect/>
+          </a:stretch>
+        </p:blipFill>
+        <p:spPr>
+          <a:xfrm>
+            <a:off x="1864426" y="1482142"/>
+            <a:ext cx="8463147" cy="4760520"/>
+          </a:xfrm>
+          <a:prstGeom prst="rect">
+            <a:avLst/>
+          </a:prstGeom>
+        </p:spPr>
+      </p:pic>
+    </p:spTree>
+    <p:extLst>
+      <p:ext uri="{BB962C8B-B14F-4D97-AF65-F5344CB8AC3E}">
+        <p14:creationId xmlns:p14="http://schemas.microsoft.com/office/powerpoint/2010/main" val="1916593312"/>
+      </p:ext>
+    </p:extLst>
+  </p:cSld>
+  <p:clrMapOvr>
+    <a:masterClrMapping/>
+  </p:clrMapOvr>
+</p:sld>
+</file>
+
+<file path=ppt/slides/slide15.xml><?xml version="1.0" encoding="utf-8"?>
+<p:sld xmlns:a="http://schemas.openxmlformats.org/drawingml/2006/main" xmlns:r="http://schemas.openxmlformats.org/officeDocument/2006/relationships" xmlns:p="http://schemas.openxmlformats.org/presentationml/2006/main">
+  <p:cSld>
+    <p:spTree>
+      <p:nvGrpSpPr>
+        <p:cNvPr id="1" name=""/>
+        <p:cNvGrpSpPr/>
+        <p:nvPr/>
+      </p:nvGrpSpPr>
+      <p:grpSpPr>
+        <a:xfrm>
+          <a:off x="0" y="0"/>
+          <a:ext cx="0" cy="0"/>
+          <a:chOff x="0" y="0"/>
+          <a:chExt cx="0" cy="0"/>
+        </a:xfrm>
+      </p:grpSpPr>
+      <p:sp>
+        <p:nvSpPr>
+          <p:cNvPr id="4" name="Title 3">
+            <a:extLst>
+              <a:ext uri="{FF2B5EF4-FFF2-40B4-BE49-F238E27FC236}">
+                <a16:creationId xmlns:a16="http://schemas.microsoft.com/office/drawing/2014/main" id="{2FF2F0B8-896C-4D84-9FF9-3E3607F9E57C}"/>
+              </a:ext>
+            </a:extLst>
+          </p:cNvPr>
+          <p:cNvSpPr>
+            <a:spLocks noGrp="1"/>
+          </p:cNvSpPr>
+          <p:nvPr>
+            <p:ph type="title"/>
+          </p:nvPr>
+        </p:nvSpPr>
+        <p:spPr bwMode="grayWhite"/>
+        <p:txBody>
+          <a:bodyPr/>
+          <a:lstStyle/>
+          <a:p>
+            <a:r>
+              <a:rPr lang="en-US" dirty="0"/>
+              <a:t>Application : Prediction Result</a:t>
+            </a:r>
+            <a:endParaRPr lang="ru-RU" dirty="0"/>
+          </a:p>
+        </p:txBody>
+      </p:sp>
+      <p:sp>
+        <p:nvSpPr>
+          <p:cNvPr id="2" name="Slide Number Placeholder 1">
+            <a:extLst>
+              <a:ext uri="{FF2B5EF4-FFF2-40B4-BE49-F238E27FC236}">
+                <a16:creationId xmlns:a16="http://schemas.microsoft.com/office/drawing/2014/main" id="{E8B55491-80DD-4F1B-890E-E2F7B275B9CA}"/>
+              </a:ext>
+            </a:extLst>
+          </p:cNvPr>
+          <p:cNvSpPr>
+            <a:spLocks noGrp="1"/>
+          </p:cNvSpPr>
+          <p:nvPr>
+            <p:ph type="sldNum" sz="quarter" idx="10"/>
+          </p:nvPr>
+        </p:nvSpPr>
+        <p:spPr/>
+        <p:txBody>
+          <a:bodyPr/>
+          <a:lstStyle/>
+          <a:p>
+            <a:fld id="{D495E168-DA5E-4888-8D8A-92B118324C14}" type="slidenum">
+              <a:rPr lang="ru-RU" smtClean="0"/>
+              <a:pPr/>
+              <a:t>15</a:t>
+            </a:fld>
+            <a:endParaRPr lang="ru-RU" dirty="0"/>
+          </a:p>
+        </p:txBody>
+      </p:sp>
+      <p:pic>
+        <p:nvPicPr>
+          <p:cNvPr id="5" name="Picture 4">
+            <a:extLst>
+              <a:ext uri="{FF2B5EF4-FFF2-40B4-BE49-F238E27FC236}">
+                <a16:creationId xmlns:a16="http://schemas.microsoft.com/office/drawing/2014/main" id="{F6804DD6-03B4-4F59-9115-D13C254DF909}"/>
+              </a:ext>
+            </a:extLst>
+          </p:cNvPr>
+          <p:cNvPicPr>
+            <a:picLocks noChangeAspect="1"/>
+          </p:cNvPicPr>
+          <p:nvPr/>
+        </p:nvPicPr>
+        <p:blipFill>
+          <a:blip r:embed="rId2"/>
+          <a:stretch>
+            <a:fillRect/>
+          </a:stretch>
+        </p:blipFill>
+        <p:spPr>
+          <a:xfrm>
+            <a:off x="1864426" y="1482142"/>
+            <a:ext cx="8463147" cy="4760520"/>
+          </a:xfrm>
+          <a:prstGeom prst="rect">
+            <a:avLst/>
+          </a:prstGeom>
+        </p:spPr>
+      </p:pic>
+    </p:spTree>
+    <p:extLst>
+      <p:ext uri="{BB962C8B-B14F-4D97-AF65-F5344CB8AC3E}">
+        <p14:creationId xmlns:p14="http://schemas.microsoft.com/office/powerpoint/2010/main" val="3614810826"/>
+      </p:ext>
+    </p:extLst>
+  </p:cSld>
+  <p:clrMapOvr>
+    <a:masterClrMapping/>
+  </p:clrMapOvr>
+</p:sld>
+</file>
+
+<file path=ppt/slides/slide16.xml><?xml version="1.0" encoding="utf-8"?>
+<p:sld xmlns:a="http://schemas.openxmlformats.org/drawingml/2006/main" xmlns:r="http://schemas.openxmlformats.org/officeDocument/2006/relationships" xmlns:p="http://schemas.openxmlformats.org/presentationml/2006/main">
+  <p:cSld>
+    <p:spTree>
+      <p:nvGrpSpPr>
+        <p:cNvPr id="1" name=""/>
+        <p:cNvGrpSpPr/>
+        <p:nvPr/>
+      </p:nvGrpSpPr>
+      <p:grpSpPr>
+        <a:xfrm>
+          <a:off x="0" y="0"/>
+          <a:ext cx="0" cy="0"/>
+          <a:chOff x="0" y="0"/>
+          <a:chExt cx="0" cy="0"/>
+        </a:xfrm>
+      </p:grpSpPr>
+      <p:sp>
+        <p:nvSpPr>
+          <p:cNvPr id="4" name="Title 3">
+            <a:extLst>
+              <a:ext uri="{FF2B5EF4-FFF2-40B4-BE49-F238E27FC236}">
+                <a16:creationId xmlns:a16="http://schemas.microsoft.com/office/drawing/2014/main" id="{2FF2F0B8-896C-4D84-9FF9-3E3607F9E57C}"/>
+              </a:ext>
+            </a:extLst>
+          </p:cNvPr>
+          <p:cNvSpPr>
+            <a:spLocks noGrp="1"/>
+          </p:cNvSpPr>
+          <p:nvPr>
+            <p:ph type="title"/>
+          </p:nvPr>
+        </p:nvSpPr>
+        <p:spPr bwMode="grayWhite"/>
+        <p:txBody>
+          <a:bodyPr/>
+          <a:lstStyle/>
+          <a:p>
+            <a:r>
+              <a:rPr lang="en-US" dirty="0"/>
+              <a:t>Application : About</a:t>
+            </a:r>
+            <a:endParaRPr lang="ru-RU" dirty="0"/>
+          </a:p>
+        </p:txBody>
+      </p:sp>
+      <p:sp>
+        <p:nvSpPr>
+          <p:cNvPr id="2" name="Slide Number Placeholder 1">
+            <a:extLst>
+              <a:ext uri="{FF2B5EF4-FFF2-40B4-BE49-F238E27FC236}">
+                <a16:creationId xmlns:a16="http://schemas.microsoft.com/office/drawing/2014/main" id="{E8B55491-80DD-4F1B-890E-E2F7B275B9CA}"/>
+              </a:ext>
+            </a:extLst>
+          </p:cNvPr>
+          <p:cNvSpPr>
+            <a:spLocks noGrp="1"/>
+          </p:cNvSpPr>
+          <p:nvPr>
+            <p:ph type="sldNum" sz="quarter" idx="10"/>
+          </p:nvPr>
+        </p:nvSpPr>
+        <p:spPr/>
+        <p:txBody>
+          <a:bodyPr/>
+          <a:lstStyle/>
+          <a:p>
+            <a:fld id="{D495E168-DA5E-4888-8D8A-92B118324C14}" type="slidenum">
+              <a:rPr lang="ru-RU" smtClean="0"/>
+              <a:pPr/>
+              <a:t>16</a:t>
+            </a:fld>
+            <a:endParaRPr lang="ru-RU" dirty="0"/>
+          </a:p>
+        </p:txBody>
+      </p:sp>
+      <p:pic>
+        <p:nvPicPr>
+          <p:cNvPr id="6" name="Picture 5">
+            <a:extLst>
+              <a:ext uri="{FF2B5EF4-FFF2-40B4-BE49-F238E27FC236}">
+                <a16:creationId xmlns:a16="http://schemas.microsoft.com/office/drawing/2014/main" id="{A29D2AFF-4930-44E9-951D-9DCE1231C76D}"/>
+              </a:ext>
+            </a:extLst>
+          </p:cNvPr>
+          <p:cNvPicPr>
+            <a:picLocks noChangeAspect="1"/>
+          </p:cNvPicPr>
+          <p:nvPr/>
+        </p:nvPicPr>
+        <p:blipFill>
+          <a:blip r:embed="rId2"/>
+          <a:stretch>
+            <a:fillRect/>
+          </a:stretch>
+        </p:blipFill>
+        <p:spPr>
+          <a:xfrm>
+            <a:off x="1864426" y="1482142"/>
+            <a:ext cx="8463147" cy="4760520"/>
+          </a:xfrm>
+          <a:prstGeom prst="rect">
+            <a:avLst/>
+          </a:prstGeom>
+        </p:spPr>
+      </p:pic>
+    </p:spTree>
+    <p:extLst>
+      <p:ext uri="{BB962C8B-B14F-4D97-AF65-F5344CB8AC3E}">
+        <p14:creationId xmlns:p14="http://schemas.microsoft.com/office/powerpoint/2010/main" val="159771657"/>
+      </p:ext>
+    </p:extLst>
+  </p:cSld>
+  <p:clrMapOvr>
+    <a:masterClrMapping/>
+  </p:clrMapOvr>
+</p:sld>
+</file>
+
+<file path=ppt/slides/slide17.xml><?xml version="1.0" encoding="utf-8"?>
+<p:sld xmlns:a="http://schemas.openxmlformats.org/drawingml/2006/main" xmlns:r="http://schemas.openxmlformats.org/officeDocument/2006/relationships" xmlns:p="http://schemas.openxmlformats.org/presentationml/2006/main">
+  <p:cSld>
+    <p:spTree>
+      <p:nvGrpSpPr>
+        <p:cNvPr id="1" name=""/>
+        <p:cNvGrpSpPr/>
+        <p:nvPr/>
+      </p:nvGrpSpPr>
+      <p:grpSpPr>
+        <a:xfrm>
+          <a:off x="0" y="0"/>
+          <a:ext cx="0" cy="0"/>
+          <a:chOff x="0" y="0"/>
+          <a:chExt cx="0" cy="0"/>
+        </a:xfrm>
+      </p:grpSpPr>
       <p:pic>
         <p:nvPicPr>
           <p:cNvPr id="23" name="Picture Placeholder 22" descr="Low Angle View of Office Building Against Blue Sky">
@@ -18408,14 +19303,18 @@
           <a:p>
             <a:r>
               <a:rPr lang="en-US" dirty="0"/>
-              <a:t>Alexander</a:t>
+              <a:t>Ryan </a:t>
+            </a:r>
+            <a:r>
+              <a:rPr lang="en-US" dirty="0" err="1"/>
+              <a:t>Natanael</a:t>
             </a:r>
             <a:br>
               <a:rPr lang="en-US" dirty="0"/>
             </a:br>
             <a:r>
               <a:rPr lang="en-US" dirty="0"/>
-              <a:t>Martensson</a:t>
+              <a:t>Sihono</a:t>
             </a:r>
             <a:endParaRPr lang="ru-RU" dirty="0"/>
           </a:p>
@@ -18473,7 +19372,7 @@
           <a:p>
             <a:r>
               <a:rPr lang="en-US" dirty="0"/>
-              <a:t>678-555-0128</a:t>
+              <a:t>0812-1326-2399</a:t>
             </a:r>
             <a:endParaRPr lang="ru-RU" dirty="0"/>
           </a:p>
@@ -18531,7 +19430,7 @@
           <a:p>
             <a:r>
               <a:rPr lang="en-US" dirty="0"/>
-              <a:t>martensson@example.com</a:t>
+              <a:t>ryan.ind@outlook.com</a:t>
             </a:r>
             <a:endParaRPr lang="ru-RU" dirty="0"/>
           </a:p>
@@ -18541,137 +19440,6 @@
     <p:extLst>
       <p:ext uri="{BB962C8B-B14F-4D97-AF65-F5344CB8AC3E}">
         <p14:creationId xmlns:p14="http://schemas.microsoft.com/office/powerpoint/2010/main" val="2314201511"/>
-      </p:ext>
-    </p:extLst>
-  </p:cSld>
-  <p:clrMapOvr>
-    <a:masterClrMapping/>
-  </p:clrMapOvr>
-</p:sld>
-</file>
-
-<file path=ppt/slides/slide11.xml><?xml version="1.0" encoding="utf-8"?>
-<p:sld xmlns:a="http://schemas.openxmlformats.org/drawingml/2006/main" xmlns:r="http://schemas.openxmlformats.org/officeDocument/2006/relationships" xmlns:p="http://schemas.openxmlformats.org/presentationml/2006/main">
-  <p:cSld>
-    <p:spTree>
-      <p:nvGrpSpPr>
-        <p:cNvPr id="1" name=""/>
-        <p:cNvGrpSpPr/>
-        <p:nvPr/>
-      </p:nvGrpSpPr>
-      <p:grpSpPr>
-        <a:xfrm>
-          <a:off x="0" y="0"/>
-          <a:ext cx="0" cy="0"/>
-          <a:chOff x="0" y="0"/>
-          <a:chExt cx="0" cy="0"/>
-        </a:xfrm>
-      </p:grpSpPr>
-      <p:sp>
-        <p:nvSpPr>
-          <p:cNvPr id="4" name="Title 3">
-            <a:extLst>
-              <a:ext uri="{FF2B5EF4-FFF2-40B4-BE49-F238E27FC236}">
-                <a16:creationId xmlns:a16="http://schemas.microsoft.com/office/drawing/2014/main" id="{E98DCA46-603B-4178-8707-30E192CE6B8D}"/>
-              </a:ext>
-            </a:extLst>
-          </p:cNvPr>
-          <p:cNvSpPr>
-            <a:spLocks noGrp="1"/>
-          </p:cNvSpPr>
-          <p:nvPr>
-            <p:ph type="title"/>
-          </p:nvPr>
-        </p:nvSpPr>
-        <p:spPr/>
-        <p:txBody>
-          <a:bodyPr>
-            <a:normAutofit fontScale="90000"/>
-          </a:bodyPr>
-          <a:lstStyle/>
-          <a:p>
-            <a:r>
-              <a:rPr lang="en-US" dirty="0"/>
-              <a:t>Customize this Template</a:t>
-            </a:r>
-          </a:p>
-        </p:txBody>
-      </p:sp>
-      <p:sp>
-        <p:nvSpPr>
-          <p:cNvPr id="8" name="TextBox 7">
-            <a:hlinkClick r:id="rId2"/>
-            <a:extLst>
-              <a:ext uri="{FF2B5EF4-FFF2-40B4-BE49-F238E27FC236}">
-                <a16:creationId xmlns:a16="http://schemas.microsoft.com/office/drawing/2014/main" id="{5FC6C278-4035-446A-A94B-030E792FDDF5}"/>
-              </a:ext>
-            </a:extLst>
-          </p:cNvPr>
-          <p:cNvSpPr txBox="1"/>
-          <p:nvPr/>
-        </p:nvSpPr>
-        <p:spPr>
-          <a:xfrm>
-            <a:off x="1547813" y="2459504"/>
-            <a:ext cx="9096374" cy="1938992"/>
-          </a:xfrm>
-          <a:prstGeom prst="rect">
-            <a:avLst/>
-          </a:prstGeom>
-          <a:noFill/>
-        </p:spPr>
-        <p:txBody>
-          <a:bodyPr wrap="square" rtlCol="0">
-            <a:spAutoFit/>
-          </a:bodyPr>
-          <a:lstStyle/>
-          <a:p>
-            <a:pPr algn="ctr"/>
-            <a:r>
-              <a:rPr lang="en-US" sz="6000" u="sng" dirty="0">
-                <a:solidFill>
-                  <a:srgbClr val="0070C0"/>
-                </a:solidFill>
-              </a:rPr>
-              <a:t>Template Editing Instructions and Feedback</a:t>
-            </a:r>
-          </a:p>
-        </p:txBody>
-      </p:sp>
-      <p:sp>
-        <p:nvSpPr>
-          <p:cNvPr id="2" name="Slide Number Placeholder 1">
-            <a:extLst>
-              <a:ext uri="{FF2B5EF4-FFF2-40B4-BE49-F238E27FC236}">
-                <a16:creationId xmlns:a16="http://schemas.microsoft.com/office/drawing/2014/main" id="{97FC0424-40B9-486A-B71B-BA76CD90DDF4}"/>
-              </a:ext>
-            </a:extLst>
-          </p:cNvPr>
-          <p:cNvSpPr>
-            <a:spLocks noGrp="1"/>
-          </p:cNvSpPr>
-          <p:nvPr>
-            <p:ph type="sldNum" sz="quarter" idx="10"/>
-          </p:nvPr>
-        </p:nvSpPr>
-        <p:spPr/>
-        <p:txBody>
-          <a:bodyPr/>
-          <a:lstStyle/>
-          <a:p>
-            <a:fld id="{D495E168-DA5E-4888-8D8A-92B118324C14}" type="slidenum">
-              <a:rPr lang="ru-RU" smtClean="0"/>
-              <a:pPr/>
-              <a:t>11</a:t>
-            </a:fld>
-            <a:endParaRPr lang="ru-RU" dirty="0"/>
-          </a:p>
-        </p:txBody>
-      </p:sp>
-    </p:spTree>
-    <p:extLst>
-      <p:ext uri="{BB962C8B-B14F-4D97-AF65-F5344CB8AC3E}">
-        <p14:creationId xmlns:p14="http://schemas.microsoft.com/office/powerpoint/2010/main" val="59582380"/>
       </p:ext>
     </p:extLst>
   </p:cSld>
@@ -18775,7 +19543,7 @@
         </p:nvSpPr>
         <p:spPr>
           <a:xfrm>
-            <a:off x="774031" y="2225392"/>
+            <a:off x="774031" y="2686710"/>
             <a:ext cx="10505573" cy="3956467"/>
           </a:xfrm>
         </p:spPr>
@@ -18808,7 +19576,7 @@
                   <a:srgbClr val="FFFF00"/>
                 </a:solidFill>
               </a:rPr>
-              <a:t>We already know that Credit Card is issued by bank; and therefore becomes one of the most essential profit for bank as an income.</a:t>
+              <a:t>Credit Card is issued by bank; and one of the most essential profit for bank.</a:t>
             </a:r>
           </a:p>
           <a:p>
@@ -18825,7 +19593,7 @@
                   <a:srgbClr val="FFFF00"/>
                 </a:solidFill>
               </a:rPr>
-              <a:t>However, it seems that many people are having tendency to have more than one card; in this regards, as a small opportunity for marketing people to offer another one for whoever needed.</a:t>
+              <a:t>People are having tendency to have more than one card; becomes opportunity for bank people to offer more.</a:t>
             </a:r>
             <a:endParaRPr lang="ru-RU" dirty="0">
               <a:solidFill>
@@ -19035,7 +19803,7 @@
           <p:nvPr>
             <p:extLst>
               <p:ext uri="{D42A27DB-BD31-4B8C-83A1-F6EECF244321}">
-                <p14:modId xmlns:p14="http://schemas.microsoft.com/office/powerpoint/2010/main" val="40660325"/>
+                <p14:modId xmlns:p14="http://schemas.microsoft.com/office/powerpoint/2010/main" val="3739506771"/>
               </p:ext>
             </p:extLst>
           </p:nvPr>
@@ -20167,7 +20935,7 @@
           <a:p>
             <a:r>
               <a:rPr lang="en-US" dirty="0"/>
-              <a:t>MODELs</a:t>
+              <a:t>MODELS</a:t>
             </a:r>
             <a:endParaRPr lang="ru-RU" dirty="0"/>
           </a:p>

--- a/Credit Card Opening Prediction.pptx
+++ b/Credit Card Opening Prediction.pptx
@@ -4603,7 +4603,7 @@
           <a:p>
             <a:fld id="{9E88B8F3-31C2-4698-B74C-D5D76CFD8ACD}" type="datetimeFigureOut">
               <a:rPr lang="ru-RU" smtClean="0"/>
-              <a:t>29.05.2020</a:t>
+              <a:t>03.06.2020</a:t>
             </a:fld>
             <a:endParaRPr lang="ru-RU" dirty="0"/>
           </a:p>
@@ -4780,7 +4780,7 @@
           <a:p>
             <a:fld id="{7000EB3D-2307-4317-8A1D-B47FA45245F0}" type="datetimeFigureOut">
               <a:rPr lang="ru-RU" smtClean="0"/>
-              <a:t>29.05.2020</a:t>
+              <a:t>03.06.2020</a:t>
             </a:fld>
             <a:endParaRPr lang="ru-RU" dirty="0"/>
           </a:p>
@@ -18211,14 +18211,19 @@
             <p:ph type="title"/>
           </p:nvPr>
         </p:nvSpPr>
-        <p:spPr/>
+        <p:spPr>
+          <a:xfrm>
+            <a:off x="452283" y="746100"/>
+            <a:ext cx="11287433" cy="2281355"/>
+          </a:xfrm>
+        </p:spPr>
         <p:txBody>
           <a:bodyPr/>
           <a:lstStyle/>
           <a:p>
             <a:r>
               <a:rPr lang="en-US" dirty="0"/>
-              <a:t>Credit Card Opening Prediction</a:t>
+              <a:t>Credit Card Marketing Acceptance</a:t>
             </a:r>
             <a:endParaRPr lang="ru-RU" dirty="0"/>
           </a:p>
@@ -21925,6 +21930,24 @@
 </file>
 
 <file path=customXml/item1.xml><?xml version="1.0" encoding="utf-8"?>
+<?mso-contentType ?>
+<FormTemplates xmlns="http://schemas.microsoft.com/sharepoint/v3/contenttype/forms">
+  <Display>DocumentLibraryForm</Display>
+  <Edit>DocumentLibraryForm</Edit>
+  <New>DocumentLibraryForm</New>
+</FormTemplates>
+</file>
+
+<file path=customXml/item2.xml><?xml version="1.0" encoding="utf-8"?>
+<p:properties xmlns:p="http://schemas.microsoft.com/office/2006/metadata/properties" xmlns:xsi="http://www.w3.org/2001/XMLSchema-instance" xmlns:pc="http://schemas.microsoft.com/office/infopath/2007/PartnerControls">
+  <documentManagement>
+    <_ip_UnifiedCompliancePolicyUIAction xmlns="http://schemas.microsoft.com/sharepoint/v3" xsi:nil="true"/>
+    <_ip_UnifiedCompliancePolicyProperties xmlns="http://schemas.microsoft.com/sharepoint/v3" xsi:nil="true"/>
+  </documentManagement>
+</p:properties>
+</file>
+
+<file path=customXml/item3.xml><?xml version="1.0" encoding="utf-8"?>
 <ct:contentTypeSchema xmlns:ct="http://schemas.microsoft.com/office/2006/metadata/contentType" xmlns:ma="http://schemas.microsoft.com/office/2006/metadata/properties/metaAttributes" ct:_="" ma:_="" ma:contentTypeName="Document" ma:contentTypeID="0x010100DEEA25CC0A0AC24199CDC46C25B8B0BC" ma:contentTypeVersion="10" ma:contentTypeDescription="Create a new document." ma:contentTypeScope="" ma:versionID="e3b47856d4cf355c0dacb39e1084d14f">
   <xsd:schema xmlns:xsd="http://www.w3.org/2001/XMLSchema" xmlns:xs="http://www.w3.org/2001/XMLSchema" xmlns:p="http://schemas.microsoft.com/office/2006/metadata/properties" xmlns:ns1="http://schemas.microsoft.com/sharepoint/v3" xmlns:ns2="6dc4bcd6-49db-4c07-9060-8acfc67cef9f" xmlns:ns3="fb0879af-3eba-417a-a55a-ffe6dcd6ca77" targetNamespace="http://schemas.microsoft.com/office/2006/metadata/properties" ma:root="true" ma:fieldsID="a845a615265fdb1f7b12cc65ac20ecbd" ns1:_="" ns2:_="" ns3:_="">
     <xsd:import namespace="http://schemas.microsoft.com/sharepoint/v3"/>
@@ -22132,25 +22155,25 @@
 </ct:contentTypeSchema>
 </file>
 
-<file path=customXml/item2.xml><?xml version="1.0" encoding="utf-8"?>
-<p:properties xmlns:p="http://schemas.microsoft.com/office/2006/metadata/properties" xmlns:xsi="http://www.w3.org/2001/XMLSchema-instance" xmlns:pc="http://schemas.microsoft.com/office/infopath/2007/PartnerControls">
-  <documentManagement>
-    <_ip_UnifiedCompliancePolicyUIAction xmlns="http://schemas.microsoft.com/sharepoint/v3" xsi:nil="true"/>
-    <_ip_UnifiedCompliancePolicyProperties xmlns="http://schemas.microsoft.com/sharepoint/v3" xsi:nil="true"/>
-  </documentManagement>
-</p:properties>
+<file path=customXml/itemProps1.xml><?xml version="1.0" encoding="utf-8"?>
+<ds:datastoreItem xmlns:ds="http://schemas.openxmlformats.org/officeDocument/2006/customXml" ds:itemID="{8C5154C8-4BB5-43F2-9F6C-5E79271A0D50}">
+  <ds:schemaRefs>
+    <ds:schemaRef ds:uri="http://schemas.microsoft.com/sharepoint/v3/contenttype/forms"/>
+  </ds:schemaRefs>
+</ds:datastoreItem>
 </file>
 
-<file path=customXml/item3.xml><?xml version="1.0" encoding="utf-8"?>
-<?mso-contentType ?>
-<FormTemplates xmlns="http://schemas.microsoft.com/sharepoint/v3/contenttype/forms">
-  <Display>DocumentLibraryForm</Display>
-  <Edit>DocumentLibraryForm</Edit>
-  <New>DocumentLibraryForm</New>
-</FormTemplates>
+<file path=customXml/itemProps2.xml><?xml version="1.0" encoding="utf-8"?>
+<ds:datastoreItem xmlns:ds="http://schemas.openxmlformats.org/officeDocument/2006/customXml" ds:itemID="{947A0EF5-23A9-4627-BC46-745B7DD804D2}">
+  <ds:schemaRefs>
+    <ds:schemaRef ds:uri="http://schemas.microsoft.com/office/2006/metadata/properties"/>
+    <ds:schemaRef ds:uri="http://schemas.microsoft.com/office/infopath/2007/PartnerControls"/>
+    <ds:schemaRef ds:uri="http://schemas.microsoft.com/sharepoint/v3"/>
+  </ds:schemaRefs>
+</ds:datastoreItem>
 </file>
 
-<file path=customXml/itemProps1.xml><?xml version="1.0" encoding="utf-8"?>
+<file path=customXml/itemProps3.xml><?xml version="1.0" encoding="utf-8"?>
 <ds:datastoreItem xmlns:ds="http://schemas.openxmlformats.org/officeDocument/2006/customXml" ds:itemID="{F2807890-83DC-4772-9CAD-F7CB30099A10}">
   <ds:schemaRefs>
     <ds:schemaRef ds:uri="http://schemas.microsoft.com/office/2006/metadata/contentType"/>
@@ -22168,22 +22191,4 @@
     <ds:schemaRef ds:uri="http://schemas.microsoft.com/internal/obd"/>
   </ds:schemaRefs>
 </ds:datastoreItem>
-</file>
-
-<file path=customXml/itemProps2.xml><?xml version="1.0" encoding="utf-8"?>
-<ds:datastoreItem xmlns:ds="http://schemas.openxmlformats.org/officeDocument/2006/customXml" ds:itemID="{947A0EF5-23A9-4627-BC46-745B7DD804D2}">
-  <ds:schemaRefs>
-    <ds:schemaRef ds:uri="http://schemas.microsoft.com/office/2006/metadata/properties"/>
-    <ds:schemaRef ds:uri="http://schemas.microsoft.com/office/infopath/2007/PartnerControls"/>
-    <ds:schemaRef ds:uri="http://schemas.microsoft.com/sharepoint/v3"/>
-  </ds:schemaRefs>
-</ds:datastoreItem>
-</file>
-
-<file path=customXml/itemProps3.xml><?xml version="1.0" encoding="utf-8"?>
-<ds:datastoreItem xmlns:ds="http://schemas.openxmlformats.org/officeDocument/2006/customXml" ds:itemID="{8C5154C8-4BB5-43F2-9F6C-5E79271A0D50}">
-  <ds:schemaRefs>
-    <ds:schemaRef ds:uri="http://schemas.microsoft.com/sharepoint/v3/contenttype/forms"/>
-  </ds:schemaRefs>
-</ds:datastoreItem>
 </file>